--- a/ppt/RTシステム構築実習.pptx
+++ b/ppt/RTシステム構築実習.pptx
@@ -1289,7 +1289,7 @@
           <a:lstStyle/>
           <a:p>
             <a:pPr eaLnBrk="1" hangingPunct="1"/>
-            <a:endParaRPr lang="ja-JP" altLang="ja-JP">
+            <a:endParaRPr lang="ja-JP" altLang="ja-JP" dirty="0">
               <a:latin typeface="Arial" panose="020B0604020202020204" pitchFamily="34" charset="0"/>
             </a:endParaRPr>
           </a:p>
@@ -1767,57 +1767,39 @@
           <a:lstStyle/>
           <a:p>
             <a:pPr eaLnBrk="1" hangingPunct="1"/>
-            <a:r>
-              <a:rPr lang="en-US" altLang="ja-JP">
-                <a:latin typeface="Arial" panose="020B0604020202020204" pitchFamily="34" charset="0"/>
-              </a:rPr>
-              <a:t>At first, I’d like to mention about RT.</a:t>
-            </a:r>
+            <a:endParaRPr lang="en-US" altLang="ja-JP" dirty="0">
+              <a:latin typeface="Arial" panose="020B0604020202020204" pitchFamily="34" charset="0"/>
+            </a:endParaRPr>
           </a:p>
           <a:p>
             <a:pPr eaLnBrk="1" hangingPunct="1"/>
-            <a:r>
-              <a:rPr lang="en-US" altLang="ja-JP">
-                <a:latin typeface="Arial" panose="020B0604020202020204" pitchFamily="34" charset="0"/>
-              </a:rPr>
-              <a:t>What is RT?</a:t>
-            </a:r>
+            <a:endParaRPr lang="en-US" altLang="ja-JP" dirty="0">
+              <a:latin typeface="Arial" panose="020B0604020202020204" pitchFamily="34" charset="0"/>
+            </a:endParaRPr>
           </a:p>
           <a:p>
             <a:pPr eaLnBrk="1" hangingPunct="1"/>
-            <a:r>
-              <a:rPr lang="en-US" altLang="ja-JP">
-                <a:latin typeface="Arial" panose="020B0604020202020204" pitchFamily="34" charset="0"/>
-              </a:rPr>
-              <a:t>RT means Robot Technology.</a:t>
-            </a:r>
+            <a:endParaRPr lang="en-US" altLang="ja-JP" dirty="0">
+              <a:latin typeface="Arial" panose="020B0604020202020204" pitchFamily="34" charset="0"/>
+            </a:endParaRPr>
           </a:p>
           <a:p>
             <a:pPr eaLnBrk="1" hangingPunct="1"/>
-            <a:r>
-              <a:rPr lang="en-US" altLang="ja-JP">
-                <a:latin typeface="Arial" panose="020B0604020202020204" pitchFamily="34" charset="0"/>
-              </a:rPr>
-              <a:t>This is not only standalone robots like this, but also robotic elements, sensors, actuators and so on.</a:t>
-            </a:r>
+            <a:endParaRPr lang="en-US" altLang="ja-JP" dirty="0">
+              <a:latin typeface="Arial" panose="020B0604020202020204" pitchFamily="34" charset="0"/>
+            </a:endParaRPr>
           </a:p>
           <a:p>
             <a:pPr eaLnBrk="1" hangingPunct="1"/>
-            <a:r>
-              <a:rPr lang="en-US" altLang="ja-JP">
-                <a:latin typeface="Arial" panose="020B0604020202020204" pitchFamily="34" charset="0"/>
-              </a:rPr>
-              <a:t>We have studied on RT-Middleware.</a:t>
-            </a:r>
+            <a:endParaRPr lang="en-US" altLang="ja-JP" dirty="0">
+              <a:latin typeface="Arial" panose="020B0604020202020204" pitchFamily="34" charset="0"/>
+            </a:endParaRPr>
           </a:p>
           <a:p>
             <a:pPr eaLnBrk="1" hangingPunct="1"/>
-            <a:r>
-              <a:rPr lang="en-US" altLang="ja-JP">
-                <a:latin typeface="Arial" panose="020B0604020202020204" pitchFamily="34" charset="0"/>
-              </a:rPr>
-              <a:t>RT-Middleware is software platform to integrate these RT-elements. </a:t>
-            </a:r>
+            <a:endParaRPr lang="en-US" altLang="ja-JP" dirty="0">
+              <a:latin typeface="Arial" panose="020B0604020202020204" pitchFamily="34" charset="0"/>
+            </a:endParaRPr>
           </a:p>
         </p:txBody>
       </p:sp>
@@ -2298,57 +2280,39 @@
           <a:lstStyle/>
           <a:p>
             <a:pPr eaLnBrk="1" hangingPunct="1"/>
-            <a:r>
-              <a:rPr lang="en-US" altLang="ja-JP">
-                <a:latin typeface="Arial" panose="020B0604020202020204" pitchFamily="34" charset="0"/>
-              </a:rPr>
-              <a:t>At first, I’d like to mention about RT.</a:t>
-            </a:r>
+            <a:endParaRPr lang="en-US" altLang="ja-JP" dirty="0">
+              <a:latin typeface="Arial" panose="020B0604020202020204" pitchFamily="34" charset="0"/>
+            </a:endParaRPr>
           </a:p>
           <a:p>
             <a:pPr eaLnBrk="1" hangingPunct="1"/>
-            <a:r>
-              <a:rPr lang="en-US" altLang="ja-JP">
-                <a:latin typeface="Arial" panose="020B0604020202020204" pitchFamily="34" charset="0"/>
-              </a:rPr>
-              <a:t>What is RT?</a:t>
-            </a:r>
+            <a:endParaRPr lang="en-US" altLang="ja-JP" dirty="0">
+              <a:latin typeface="Arial" panose="020B0604020202020204" pitchFamily="34" charset="0"/>
+            </a:endParaRPr>
           </a:p>
           <a:p>
             <a:pPr eaLnBrk="1" hangingPunct="1"/>
-            <a:r>
-              <a:rPr lang="en-US" altLang="ja-JP">
-                <a:latin typeface="Arial" panose="020B0604020202020204" pitchFamily="34" charset="0"/>
-              </a:rPr>
-              <a:t>RT means Robot Technology.</a:t>
-            </a:r>
+            <a:endParaRPr lang="en-US" altLang="ja-JP" dirty="0">
+              <a:latin typeface="Arial" panose="020B0604020202020204" pitchFamily="34" charset="0"/>
+            </a:endParaRPr>
           </a:p>
           <a:p>
             <a:pPr eaLnBrk="1" hangingPunct="1"/>
-            <a:r>
-              <a:rPr lang="en-US" altLang="ja-JP">
-                <a:latin typeface="Arial" panose="020B0604020202020204" pitchFamily="34" charset="0"/>
-              </a:rPr>
-              <a:t>This is not only standalone robots like this, but also robotic elements, sensors, actuators and so on.</a:t>
-            </a:r>
+            <a:endParaRPr lang="en-US" altLang="ja-JP" dirty="0">
+              <a:latin typeface="Arial" panose="020B0604020202020204" pitchFamily="34" charset="0"/>
+            </a:endParaRPr>
           </a:p>
           <a:p>
             <a:pPr eaLnBrk="1" hangingPunct="1"/>
-            <a:r>
-              <a:rPr lang="en-US" altLang="ja-JP">
-                <a:latin typeface="Arial" panose="020B0604020202020204" pitchFamily="34" charset="0"/>
-              </a:rPr>
-              <a:t>We have studied on RT-Middleware.</a:t>
-            </a:r>
+            <a:endParaRPr lang="en-US" altLang="ja-JP" dirty="0">
+              <a:latin typeface="Arial" panose="020B0604020202020204" pitchFamily="34" charset="0"/>
+            </a:endParaRPr>
           </a:p>
           <a:p>
             <a:pPr eaLnBrk="1" hangingPunct="1"/>
-            <a:r>
-              <a:rPr lang="en-US" altLang="ja-JP">
-                <a:latin typeface="Arial" panose="020B0604020202020204" pitchFamily="34" charset="0"/>
-              </a:rPr>
-              <a:t>RT-Middleware is software platform to integrate these RT-elements. </a:t>
-            </a:r>
+            <a:endParaRPr lang="en-US" altLang="ja-JP" dirty="0">
+              <a:latin typeface="Arial" panose="020B0604020202020204" pitchFamily="34" charset="0"/>
+            </a:endParaRPr>
           </a:p>
         </p:txBody>
       </p:sp>
@@ -2824,57 +2788,39 @@
           <a:lstStyle/>
           <a:p>
             <a:pPr eaLnBrk="1" hangingPunct="1"/>
-            <a:r>
-              <a:rPr lang="en-US" altLang="ja-JP">
-                <a:latin typeface="Arial" panose="020B0604020202020204" pitchFamily="34" charset="0"/>
-              </a:rPr>
-              <a:t>At first, I’d like to mention about RT.</a:t>
-            </a:r>
+            <a:endParaRPr lang="en-US" altLang="ja-JP" dirty="0">
+              <a:latin typeface="Arial" panose="020B0604020202020204" pitchFamily="34" charset="0"/>
+            </a:endParaRPr>
           </a:p>
           <a:p>
             <a:pPr eaLnBrk="1" hangingPunct="1"/>
-            <a:r>
-              <a:rPr lang="en-US" altLang="ja-JP">
-                <a:latin typeface="Arial" panose="020B0604020202020204" pitchFamily="34" charset="0"/>
-              </a:rPr>
-              <a:t>What is RT?</a:t>
-            </a:r>
+            <a:endParaRPr lang="en-US" altLang="ja-JP" dirty="0">
+              <a:latin typeface="Arial" panose="020B0604020202020204" pitchFamily="34" charset="0"/>
+            </a:endParaRPr>
           </a:p>
           <a:p>
             <a:pPr eaLnBrk="1" hangingPunct="1"/>
-            <a:r>
-              <a:rPr lang="en-US" altLang="ja-JP">
-                <a:latin typeface="Arial" panose="020B0604020202020204" pitchFamily="34" charset="0"/>
-              </a:rPr>
-              <a:t>RT means Robot Technology.</a:t>
-            </a:r>
+            <a:endParaRPr lang="en-US" altLang="ja-JP" dirty="0">
+              <a:latin typeface="Arial" panose="020B0604020202020204" pitchFamily="34" charset="0"/>
+            </a:endParaRPr>
           </a:p>
           <a:p>
             <a:pPr eaLnBrk="1" hangingPunct="1"/>
-            <a:r>
-              <a:rPr lang="en-US" altLang="ja-JP">
-                <a:latin typeface="Arial" panose="020B0604020202020204" pitchFamily="34" charset="0"/>
-              </a:rPr>
-              <a:t>This is not only standalone robots like this, but also robotic elements, sensors, actuators and so on.</a:t>
-            </a:r>
+            <a:endParaRPr lang="en-US" altLang="ja-JP" dirty="0">
+              <a:latin typeface="Arial" panose="020B0604020202020204" pitchFamily="34" charset="0"/>
+            </a:endParaRPr>
           </a:p>
           <a:p>
             <a:pPr eaLnBrk="1" hangingPunct="1"/>
-            <a:r>
-              <a:rPr lang="en-US" altLang="ja-JP">
-                <a:latin typeface="Arial" panose="020B0604020202020204" pitchFamily="34" charset="0"/>
-              </a:rPr>
-              <a:t>We have studied on RT-Middleware.</a:t>
-            </a:r>
+            <a:endParaRPr lang="en-US" altLang="ja-JP" dirty="0">
+              <a:latin typeface="Arial" panose="020B0604020202020204" pitchFamily="34" charset="0"/>
+            </a:endParaRPr>
           </a:p>
           <a:p>
             <a:pPr eaLnBrk="1" hangingPunct="1"/>
-            <a:r>
-              <a:rPr lang="en-US" altLang="ja-JP">
-                <a:latin typeface="Arial" panose="020B0604020202020204" pitchFamily="34" charset="0"/>
-              </a:rPr>
-              <a:t>RT-Middleware is software platform to integrate these RT-elements. </a:t>
-            </a:r>
+            <a:endParaRPr lang="en-US" altLang="ja-JP" dirty="0">
+              <a:latin typeface="Arial" panose="020B0604020202020204" pitchFamily="34" charset="0"/>
+            </a:endParaRPr>
           </a:p>
         </p:txBody>
       </p:sp>
@@ -3355,57 +3301,39 @@
           <a:lstStyle/>
           <a:p>
             <a:pPr eaLnBrk="1" hangingPunct="1"/>
-            <a:r>
-              <a:rPr lang="en-US" altLang="ja-JP">
-                <a:latin typeface="Arial" panose="020B0604020202020204" pitchFamily="34" charset="0"/>
-              </a:rPr>
-              <a:t>At first, I’d like to mention about RT.</a:t>
-            </a:r>
+            <a:endParaRPr lang="en-US" altLang="ja-JP" dirty="0">
+              <a:latin typeface="Arial" panose="020B0604020202020204" pitchFamily="34" charset="0"/>
+            </a:endParaRPr>
           </a:p>
           <a:p>
             <a:pPr eaLnBrk="1" hangingPunct="1"/>
-            <a:r>
-              <a:rPr lang="en-US" altLang="ja-JP">
-                <a:latin typeface="Arial" panose="020B0604020202020204" pitchFamily="34" charset="0"/>
-              </a:rPr>
-              <a:t>What is RT?</a:t>
-            </a:r>
+            <a:endParaRPr lang="en-US" altLang="ja-JP" dirty="0">
+              <a:latin typeface="Arial" panose="020B0604020202020204" pitchFamily="34" charset="0"/>
+            </a:endParaRPr>
           </a:p>
           <a:p>
             <a:pPr eaLnBrk="1" hangingPunct="1"/>
-            <a:r>
-              <a:rPr lang="en-US" altLang="ja-JP">
-                <a:latin typeface="Arial" panose="020B0604020202020204" pitchFamily="34" charset="0"/>
-              </a:rPr>
-              <a:t>RT means Robot Technology.</a:t>
-            </a:r>
+            <a:endParaRPr lang="en-US" altLang="ja-JP" dirty="0">
+              <a:latin typeface="Arial" panose="020B0604020202020204" pitchFamily="34" charset="0"/>
+            </a:endParaRPr>
           </a:p>
           <a:p>
             <a:pPr eaLnBrk="1" hangingPunct="1"/>
-            <a:r>
-              <a:rPr lang="en-US" altLang="ja-JP">
-                <a:latin typeface="Arial" panose="020B0604020202020204" pitchFamily="34" charset="0"/>
-              </a:rPr>
-              <a:t>This is not only standalone robots like this, but also robotic elements, sensors, actuators and so on.</a:t>
-            </a:r>
+            <a:endParaRPr lang="en-US" altLang="ja-JP" dirty="0">
+              <a:latin typeface="Arial" panose="020B0604020202020204" pitchFamily="34" charset="0"/>
+            </a:endParaRPr>
           </a:p>
           <a:p>
             <a:pPr eaLnBrk="1" hangingPunct="1"/>
-            <a:r>
-              <a:rPr lang="en-US" altLang="ja-JP">
-                <a:latin typeface="Arial" panose="020B0604020202020204" pitchFamily="34" charset="0"/>
-              </a:rPr>
-              <a:t>We have studied on RT-Middleware.</a:t>
-            </a:r>
+            <a:endParaRPr lang="en-US" altLang="ja-JP" dirty="0">
+              <a:latin typeface="Arial" panose="020B0604020202020204" pitchFamily="34" charset="0"/>
+            </a:endParaRPr>
           </a:p>
           <a:p>
             <a:pPr eaLnBrk="1" hangingPunct="1"/>
-            <a:r>
-              <a:rPr lang="en-US" altLang="ja-JP">
-                <a:latin typeface="Arial" panose="020B0604020202020204" pitchFamily="34" charset="0"/>
-              </a:rPr>
-              <a:t>RT-Middleware is software platform to integrate these RT-elements. </a:t>
-            </a:r>
+            <a:endParaRPr lang="en-US" altLang="ja-JP" dirty="0">
+              <a:latin typeface="Arial" panose="020B0604020202020204" pitchFamily="34" charset="0"/>
+            </a:endParaRPr>
           </a:p>
         </p:txBody>
       </p:sp>
@@ -3886,57 +3814,39 @@
           <a:lstStyle/>
           <a:p>
             <a:pPr eaLnBrk="1" hangingPunct="1"/>
-            <a:r>
-              <a:rPr lang="en-US" altLang="ja-JP">
-                <a:latin typeface="Arial" panose="020B0604020202020204" pitchFamily="34" charset="0"/>
-              </a:rPr>
-              <a:t>At first, I’d like to mention about RT.</a:t>
-            </a:r>
+            <a:endParaRPr lang="en-US" altLang="ja-JP" dirty="0">
+              <a:latin typeface="Arial" panose="020B0604020202020204" pitchFamily="34" charset="0"/>
+            </a:endParaRPr>
           </a:p>
           <a:p>
             <a:pPr eaLnBrk="1" hangingPunct="1"/>
-            <a:r>
-              <a:rPr lang="en-US" altLang="ja-JP">
-                <a:latin typeface="Arial" panose="020B0604020202020204" pitchFamily="34" charset="0"/>
-              </a:rPr>
-              <a:t>What is RT?</a:t>
-            </a:r>
+            <a:endParaRPr lang="en-US" altLang="ja-JP" dirty="0">
+              <a:latin typeface="Arial" panose="020B0604020202020204" pitchFamily="34" charset="0"/>
+            </a:endParaRPr>
           </a:p>
           <a:p>
             <a:pPr eaLnBrk="1" hangingPunct="1"/>
-            <a:r>
-              <a:rPr lang="en-US" altLang="ja-JP">
-                <a:latin typeface="Arial" panose="020B0604020202020204" pitchFamily="34" charset="0"/>
-              </a:rPr>
-              <a:t>RT means Robot Technology.</a:t>
-            </a:r>
+            <a:endParaRPr lang="en-US" altLang="ja-JP" dirty="0">
+              <a:latin typeface="Arial" panose="020B0604020202020204" pitchFamily="34" charset="0"/>
+            </a:endParaRPr>
           </a:p>
           <a:p>
             <a:pPr eaLnBrk="1" hangingPunct="1"/>
-            <a:r>
-              <a:rPr lang="en-US" altLang="ja-JP">
-                <a:latin typeface="Arial" panose="020B0604020202020204" pitchFamily="34" charset="0"/>
-              </a:rPr>
-              <a:t>This is not only standalone robots like this, but also robotic elements, sensors, actuators and so on.</a:t>
-            </a:r>
+            <a:endParaRPr lang="en-US" altLang="ja-JP" dirty="0">
+              <a:latin typeface="Arial" panose="020B0604020202020204" pitchFamily="34" charset="0"/>
+            </a:endParaRPr>
           </a:p>
           <a:p>
             <a:pPr eaLnBrk="1" hangingPunct="1"/>
-            <a:r>
-              <a:rPr lang="en-US" altLang="ja-JP">
-                <a:latin typeface="Arial" panose="020B0604020202020204" pitchFamily="34" charset="0"/>
-              </a:rPr>
-              <a:t>We have studied on RT-Middleware.</a:t>
-            </a:r>
+            <a:endParaRPr lang="en-US" altLang="ja-JP" dirty="0">
+              <a:latin typeface="Arial" panose="020B0604020202020204" pitchFamily="34" charset="0"/>
+            </a:endParaRPr>
           </a:p>
           <a:p>
             <a:pPr eaLnBrk="1" hangingPunct="1"/>
-            <a:r>
-              <a:rPr lang="en-US" altLang="ja-JP">
-                <a:latin typeface="Arial" panose="020B0604020202020204" pitchFamily="34" charset="0"/>
-              </a:rPr>
-              <a:t>RT-Middleware is software platform to integrate these RT-elements. </a:t>
-            </a:r>
+            <a:endParaRPr lang="en-US" altLang="ja-JP" dirty="0">
+              <a:latin typeface="Arial" panose="020B0604020202020204" pitchFamily="34" charset="0"/>
+            </a:endParaRPr>
           </a:p>
         </p:txBody>
       </p:sp>
@@ -4417,57 +4327,39 @@
           <a:lstStyle/>
           <a:p>
             <a:pPr eaLnBrk="1" hangingPunct="1"/>
-            <a:r>
-              <a:rPr lang="en-US" altLang="ja-JP">
-                <a:latin typeface="Arial" panose="020B0604020202020204" pitchFamily="34" charset="0"/>
-              </a:rPr>
-              <a:t>At first, I’d like to mention about RT.</a:t>
-            </a:r>
+            <a:endParaRPr lang="en-US" altLang="ja-JP" dirty="0">
+              <a:latin typeface="Arial" panose="020B0604020202020204" pitchFamily="34" charset="0"/>
+            </a:endParaRPr>
           </a:p>
           <a:p>
             <a:pPr eaLnBrk="1" hangingPunct="1"/>
-            <a:r>
-              <a:rPr lang="en-US" altLang="ja-JP">
-                <a:latin typeface="Arial" panose="020B0604020202020204" pitchFamily="34" charset="0"/>
-              </a:rPr>
-              <a:t>What is RT?</a:t>
-            </a:r>
+            <a:endParaRPr lang="en-US" altLang="ja-JP" dirty="0">
+              <a:latin typeface="Arial" panose="020B0604020202020204" pitchFamily="34" charset="0"/>
+            </a:endParaRPr>
           </a:p>
           <a:p>
             <a:pPr eaLnBrk="1" hangingPunct="1"/>
-            <a:r>
-              <a:rPr lang="en-US" altLang="ja-JP">
-                <a:latin typeface="Arial" panose="020B0604020202020204" pitchFamily="34" charset="0"/>
-              </a:rPr>
-              <a:t>RT means Robot Technology.</a:t>
-            </a:r>
+            <a:endParaRPr lang="en-US" altLang="ja-JP" dirty="0">
+              <a:latin typeface="Arial" panose="020B0604020202020204" pitchFamily="34" charset="0"/>
+            </a:endParaRPr>
           </a:p>
           <a:p>
             <a:pPr eaLnBrk="1" hangingPunct="1"/>
-            <a:r>
-              <a:rPr lang="en-US" altLang="ja-JP">
-                <a:latin typeface="Arial" panose="020B0604020202020204" pitchFamily="34" charset="0"/>
-              </a:rPr>
-              <a:t>This is not only standalone robots like this, but also robotic elements, sensors, actuators and so on.</a:t>
-            </a:r>
+            <a:endParaRPr lang="en-US" altLang="ja-JP" dirty="0">
+              <a:latin typeface="Arial" panose="020B0604020202020204" pitchFamily="34" charset="0"/>
+            </a:endParaRPr>
           </a:p>
           <a:p>
             <a:pPr eaLnBrk="1" hangingPunct="1"/>
-            <a:r>
-              <a:rPr lang="en-US" altLang="ja-JP">
-                <a:latin typeface="Arial" panose="020B0604020202020204" pitchFamily="34" charset="0"/>
-              </a:rPr>
-              <a:t>We have studied on RT-Middleware.</a:t>
-            </a:r>
+            <a:endParaRPr lang="en-US" altLang="ja-JP" dirty="0">
+              <a:latin typeface="Arial" panose="020B0604020202020204" pitchFamily="34" charset="0"/>
+            </a:endParaRPr>
           </a:p>
           <a:p>
             <a:pPr eaLnBrk="1" hangingPunct="1"/>
-            <a:r>
-              <a:rPr lang="en-US" altLang="ja-JP">
-                <a:latin typeface="Arial" panose="020B0604020202020204" pitchFamily="34" charset="0"/>
-              </a:rPr>
-              <a:t>RT-Middleware is software platform to integrate these RT-elements. </a:t>
-            </a:r>
+            <a:endParaRPr lang="en-US" altLang="ja-JP" dirty="0">
+              <a:latin typeface="Arial" panose="020B0604020202020204" pitchFamily="34" charset="0"/>
+            </a:endParaRPr>
           </a:p>
         </p:txBody>
       </p:sp>
@@ -4948,57 +4840,39 @@
           <a:lstStyle/>
           <a:p>
             <a:pPr eaLnBrk="1" hangingPunct="1"/>
-            <a:r>
-              <a:rPr lang="en-US" altLang="ja-JP">
-                <a:latin typeface="Arial" panose="020B0604020202020204" pitchFamily="34" charset="0"/>
-              </a:rPr>
-              <a:t>At first, I’d like to mention about RT.</a:t>
-            </a:r>
+            <a:endParaRPr lang="en-US" altLang="ja-JP" dirty="0">
+              <a:latin typeface="Arial" panose="020B0604020202020204" pitchFamily="34" charset="0"/>
+            </a:endParaRPr>
           </a:p>
           <a:p>
             <a:pPr eaLnBrk="1" hangingPunct="1"/>
-            <a:r>
-              <a:rPr lang="en-US" altLang="ja-JP">
-                <a:latin typeface="Arial" panose="020B0604020202020204" pitchFamily="34" charset="0"/>
-              </a:rPr>
-              <a:t>What is RT?</a:t>
-            </a:r>
+            <a:endParaRPr lang="en-US" altLang="ja-JP" dirty="0">
+              <a:latin typeface="Arial" panose="020B0604020202020204" pitchFamily="34" charset="0"/>
+            </a:endParaRPr>
           </a:p>
           <a:p>
             <a:pPr eaLnBrk="1" hangingPunct="1"/>
-            <a:r>
-              <a:rPr lang="en-US" altLang="ja-JP">
-                <a:latin typeface="Arial" panose="020B0604020202020204" pitchFamily="34" charset="0"/>
-              </a:rPr>
-              <a:t>RT means Robot Technology.</a:t>
-            </a:r>
+            <a:endParaRPr lang="en-US" altLang="ja-JP" dirty="0">
+              <a:latin typeface="Arial" panose="020B0604020202020204" pitchFamily="34" charset="0"/>
+            </a:endParaRPr>
           </a:p>
           <a:p>
             <a:pPr eaLnBrk="1" hangingPunct="1"/>
-            <a:r>
-              <a:rPr lang="en-US" altLang="ja-JP">
-                <a:latin typeface="Arial" panose="020B0604020202020204" pitchFamily="34" charset="0"/>
-              </a:rPr>
-              <a:t>This is not only standalone robots like this, but also robotic elements, sensors, actuators and so on.</a:t>
-            </a:r>
+            <a:endParaRPr lang="en-US" altLang="ja-JP" dirty="0">
+              <a:latin typeface="Arial" panose="020B0604020202020204" pitchFamily="34" charset="0"/>
+            </a:endParaRPr>
           </a:p>
           <a:p>
             <a:pPr eaLnBrk="1" hangingPunct="1"/>
-            <a:r>
-              <a:rPr lang="en-US" altLang="ja-JP">
-                <a:latin typeface="Arial" panose="020B0604020202020204" pitchFamily="34" charset="0"/>
-              </a:rPr>
-              <a:t>We have studied on RT-Middleware.</a:t>
-            </a:r>
+            <a:endParaRPr lang="en-US" altLang="ja-JP" dirty="0">
+              <a:latin typeface="Arial" panose="020B0604020202020204" pitchFamily="34" charset="0"/>
+            </a:endParaRPr>
           </a:p>
           <a:p>
             <a:pPr eaLnBrk="1" hangingPunct="1"/>
-            <a:r>
-              <a:rPr lang="en-US" altLang="ja-JP">
-                <a:latin typeface="Arial" panose="020B0604020202020204" pitchFamily="34" charset="0"/>
-              </a:rPr>
-              <a:t>RT-Middleware is software platform to integrate these RT-elements. </a:t>
-            </a:r>
+            <a:endParaRPr lang="en-US" altLang="ja-JP" dirty="0">
+              <a:latin typeface="Arial" panose="020B0604020202020204" pitchFamily="34" charset="0"/>
+            </a:endParaRPr>
           </a:p>
         </p:txBody>
       </p:sp>
@@ -5479,57 +5353,39 @@
           <a:lstStyle/>
           <a:p>
             <a:pPr eaLnBrk="1" hangingPunct="1"/>
-            <a:r>
-              <a:rPr lang="en-US" altLang="ja-JP">
-                <a:latin typeface="Arial" panose="020B0604020202020204" pitchFamily="34" charset="0"/>
-              </a:rPr>
-              <a:t>At first, I’d like to mention about RT.</a:t>
-            </a:r>
+            <a:endParaRPr lang="en-US" altLang="ja-JP" dirty="0">
+              <a:latin typeface="Arial" panose="020B0604020202020204" pitchFamily="34" charset="0"/>
+            </a:endParaRPr>
           </a:p>
           <a:p>
             <a:pPr eaLnBrk="1" hangingPunct="1"/>
-            <a:r>
-              <a:rPr lang="en-US" altLang="ja-JP">
-                <a:latin typeface="Arial" panose="020B0604020202020204" pitchFamily="34" charset="0"/>
-              </a:rPr>
-              <a:t>What is RT?</a:t>
-            </a:r>
+            <a:endParaRPr lang="en-US" altLang="ja-JP" dirty="0">
+              <a:latin typeface="Arial" panose="020B0604020202020204" pitchFamily="34" charset="0"/>
+            </a:endParaRPr>
           </a:p>
           <a:p>
             <a:pPr eaLnBrk="1" hangingPunct="1"/>
-            <a:r>
-              <a:rPr lang="en-US" altLang="ja-JP">
-                <a:latin typeface="Arial" panose="020B0604020202020204" pitchFamily="34" charset="0"/>
-              </a:rPr>
-              <a:t>RT means Robot Technology.</a:t>
-            </a:r>
+            <a:endParaRPr lang="en-US" altLang="ja-JP" dirty="0">
+              <a:latin typeface="Arial" panose="020B0604020202020204" pitchFamily="34" charset="0"/>
+            </a:endParaRPr>
           </a:p>
           <a:p>
             <a:pPr eaLnBrk="1" hangingPunct="1"/>
-            <a:r>
-              <a:rPr lang="en-US" altLang="ja-JP">
-                <a:latin typeface="Arial" panose="020B0604020202020204" pitchFamily="34" charset="0"/>
-              </a:rPr>
-              <a:t>This is not only standalone robots like this, but also robotic elements, sensors, actuators and so on.</a:t>
-            </a:r>
+            <a:endParaRPr lang="en-US" altLang="ja-JP" dirty="0">
+              <a:latin typeface="Arial" panose="020B0604020202020204" pitchFamily="34" charset="0"/>
+            </a:endParaRPr>
           </a:p>
           <a:p>
             <a:pPr eaLnBrk="1" hangingPunct="1"/>
-            <a:r>
-              <a:rPr lang="en-US" altLang="ja-JP">
-                <a:latin typeface="Arial" panose="020B0604020202020204" pitchFamily="34" charset="0"/>
-              </a:rPr>
-              <a:t>We have studied on RT-Middleware.</a:t>
-            </a:r>
+            <a:endParaRPr lang="en-US" altLang="ja-JP" dirty="0">
+              <a:latin typeface="Arial" panose="020B0604020202020204" pitchFamily="34" charset="0"/>
+            </a:endParaRPr>
           </a:p>
           <a:p>
             <a:pPr eaLnBrk="1" hangingPunct="1"/>
-            <a:r>
-              <a:rPr lang="en-US" altLang="ja-JP">
-                <a:latin typeface="Arial" panose="020B0604020202020204" pitchFamily="34" charset="0"/>
-              </a:rPr>
-              <a:t>RT-Middleware is software platform to integrate these RT-elements. </a:t>
-            </a:r>
+            <a:endParaRPr lang="en-US" altLang="ja-JP" dirty="0">
+              <a:latin typeface="Arial" panose="020B0604020202020204" pitchFamily="34" charset="0"/>
+            </a:endParaRPr>
           </a:p>
         </p:txBody>
       </p:sp>
@@ -8310,7 +8166,7 @@
           <p:nvPr/>
         </p:nvPicPr>
         <p:blipFill>
-          <a:blip r:embed="rId16">
+          <a:blip r:embed="rId15">
             <a:extLst>
               <a:ext uri="{28A0092B-C50C-407E-A947-70E740481C1C}">
                 <a14:useLocalDpi xmlns:a14="http://schemas.microsoft.com/office/drawing/2010/main" val="0"/>
@@ -8605,7 +8461,7 @@
           <p:nvPr/>
         </p:nvPicPr>
         <p:blipFill>
-          <a:blip r:embed="rId17">
+          <a:blip r:embed="rId16">
             <a:extLst>
               <a:ext uri="{28A0092B-C50C-407E-A947-70E740481C1C}">
                 <a14:useLocalDpi xmlns:a14="http://schemas.microsoft.com/office/drawing/2010/main" val="0"/>
@@ -8735,12 +8591,12 @@
           <a:graphicData uri="http://schemas.openxmlformats.org/presentationml/2006/ole">
             <mc:AlternateContent xmlns:mc="http://schemas.openxmlformats.org/markup-compatibility/2006">
               <mc:Choice xmlns:v="urn:schemas-microsoft-com:vml" Requires="v">
-                <p:oleObj spid="_x0000_s1143" name="Corel DESIGNER" r:id="rId18" imgW="2743200" imgH="1536480" progId="Corel DESIGNER.Graphic.10">
+                <p:oleObj name="Corel DESIGNER" r:id="rId17" imgW="2743200" imgH="1536480" progId="Corel DESIGNER.Graphic.10">
                   <p:embed/>
                 </p:oleObj>
               </mc:Choice>
               <mc:Fallback>
-                <p:oleObj name="Corel DESIGNER" r:id="rId18" imgW="2743200" imgH="1536480" progId="Corel DESIGNER.Graphic.10">
+                <p:oleObj name="Corel DESIGNER" r:id="rId17" imgW="2743200" imgH="1536480" progId="Corel DESIGNER.Graphic.10">
                   <p:embed/>
                   <p:pic>
                     <p:nvPicPr>
@@ -8751,7 +8607,7 @@
                       <p:nvPr/>
                     </p:nvPicPr>
                     <p:blipFill>
-                      <a:blip r:embed="rId19">
+                      <a:blip r:embed="rId18">
                         <a:extLst>
                           <a:ext uri="{28A0092B-C50C-407E-A947-70E740481C1C}">
                             <a14:useLocalDpi xmlns:a14="http://schemas.microsoft.com/office/drawing/2010/main" val="0"/>
